--- a/lectures/introduction-internship.pptx
+++ b/lectures/introduction-internship.pptx
@@ -284,7 +284,7 @@
             <a:fld id="{8AD1700A-0812-4960-BDAF-BBEBDA6F415D}" type="datetime1">
               <a:rPr lang="en-US" altLang="en-US"/>
               <a:pPr/>
-              <a:t>1/12/2022</a:t>
+              <a:t>1/14/2022</a:t>
             </a:fld>
             <a:endParaRPr lang="en-US" altLang="en-US"/>
           </a:p>
@@ -5180,7 +5180,15 @@
             <a:pPr lvl="1"/>
             <a:r>
               <a:rPr lang="en-US" dirty="0"/>
-              <a:t>Only score averages will be posted to Canvas for presenter</a:t>
+              <a:t>Only score averages will be posted to </a:t>
+            </a:r>
+            <a:r>
+              <a:rPr lang="en-US" dirty="0" err="1"/>
+              <a:t>TopHat</a:t>
+            </a:r>
+            <a:r>
+              <a:rPr lang="en-US" dirty="0"/>
+              <a:t> for presenter</a:t>
             </a:r>
           </a:p>
           <a:p>
@@ -5218,7 +5226,7 @@
           <a:p>
             <a:r>
               <a:rPr lang="en-US" dirty="0"/>
-              <a:t>For top scorer, there will be a $100 case prize:</a:t>
+              <a:t>For top scorer, there will be a $100 cash prize:</a:t>
             </a:r>
           </a:p>
           <a:p>
@@ -5410,372 +5418,6 @@
   <p:clrMapOvr>
     <a:masterClrMapping/>
   </p:clrMapOvr>
-  <p:timing>
-    <p:tnLst>
-      <p:par>
-        <p:cTn id="1" dur="indefinite" restart="never" nodeType="tmRoot">
-          <p:childTnLst>
-            <p:seq concurrent="1" nextAc="seek">
-              <p:cTn id="2" dur="indefinite" nodeType="mainSeq">
-                <p:childTnLst>
-                  <p:par>
-                    <p:cTn id="3" fill="hold">
-                      <p:stCondLst>
-                        <p:cond delay="indefinite"/>
-                      </p:stCondLst>
-                      <p:childTnLst>
-                        <p:par>
-                          <p:cTn id="4" fill="hold">
-                            <p:stCondLst>
-                              <p:cond delay="0"/>
-                            </p:stCondLst>
-                            <p:childTnLst>
-                              <p:par>
-                                <p:cTn id="5" presetID="1" presetClass="entr" presetSubtype="0" fill="hold" grpId="0" nodeType="clickEffect">
-                                  <p:stCondLst>
-                                    <p:cond delay="0"/>
-                                  </p:stCondLst>
-                                  <p:childTnLst>
-                                    <p:set>
-                                      <p:cBhvr>
-                                        <p:cTn id="6" dur="1" fill="hold">
-                                          <p:stCondLst>
-                                            <p:cond delay="0"/>
-                                          </p:stCondLst>
-                                        </p:cTn>
-                                        <p:tgtEl>
-                                          <p:spTgt spid="3">
-                                            <p:txEl>
-                                              <p:pRg st="0" end="0"/>
-                                            </p:txEl>
-                                          </p:spTgt>
-                                        </p:tgtEl>
-                                        <p:attrNameLst>
-                                          <p:attrName>style.visibility</p:attrName>
-                                        </p:attrNameLst>
-                                      </p:cBhvr>
-                                      <p:to>
-                                        <p:strVal val="visible"/>
-                                      </p:to>
-                                    </p:set>
-                                  </p:childTnLst>
-                                </p:cTn>
-                              </p:par>
-                              <p:par>
-                                <p:cTn id="7" presetID="1" presetClass="entr" presetSubtype="0" fill="hold" grpId="0" nodeType="withEffect">
-                                  <p:stCondLst>
-                                    <p:cond delay="0"/>
-                                  </p:stCondLst>
-                                  <p:childTnLst>
-                                    <p:set>
-                                      <p:cBhvr>
-                                        <p:cTn id="8" dur="1" fill="hold">
-                                          <p:stCondLst>
-                                            <p:cond delay="0"/>
-                                          </p:stCondLst>
-                                        </p:cTn>
-                                        <p:tgtEl>
-                                          <p:spTgt spid="3">
-                                            <p:txEl>
-                                              <p:pRg st="1" end="1"/>
-                                            </p:txEl>
-                                          </p:spTgt>
-                                        </p:tgtEl>
-                                        <p:attrNameLst>
-                                          <p:attrName>style.visibility</p:attrName>
-                                        </p:attrNameLst>
-                                      </p:cBhvr>
-                                      <p:to>
-                                        <p:strVal val="visible"/>
-                                      </p:to>
-                                    </p:set>
-                                  </p:childTnLst>
-                                </p:cTn>
-                              </p:par>
-                            </p:childTnLst>
-                          </p:cTn>
-                        </p:par>
-                      </p:childTnLst>
-                    </p:cTn>
-                  </p:par>
-                  <p:par>
-                    <p:cTn id="9" fill="hold">
-                      <p:stCondLst>
-                        <p:cond delay="indefinite"/>
-                      </p:stCondLst>
-                      <p:childTnLst>
-                        <p:par>
-                          <p:cTn id="10" fill="hold">
-                            <p:stCondLst>
-                              <p:cond delay="0"/>
-                            </p:stCondLst>
-                            <p:childTnLst>
-                              <p:par>
-                                <p:cTn id="11" presetID="1" presetClass="entr" presetSubtype="0" fill="hold" grpId="0" nodeType="clickEffect">
-                                  <p:stCondLst>
-                                    <p:cond delay="0"/>
-                                  </p:stCondLst>
-                                  <p:childTnLst>
-                                    <p:set>
-                                      <p:cBhvr>
-                                        <p:cTn id="12" dur="1" fill="hold">
-                                          <p:stCondLst>
-                                            <p:cond delay="0"/>
-                                          </p:stCondLst>
-                                        </p:cTn>
-                                        <p:tgtEl>
-                                          <p:spTgt spid="3">
-                                            <p:txEl>
-                                              <p:pRg st="3" end="3"/>
-                                            </p:txEl>
-                                          </p:spTgt>
-                                        </p:tgtEl>
-                                        <p:attrNameLst>
-                                          <p:attrName>style.visibility</p:attrName>
-                                        </p:attrNameLst>
-                                      </p:cBhvr>
-                                      <p:to>
-                                        <p:strVal val="visible"/>
-                                      </p:to>
-                                    </p:set>
-                                  </p:childTnLst>
-                                </p:cTn>
-                              </p:par>
-                              <p:par>
-                                <p:cTn id="13" presetID="1" presetClass="entr" presetSubtype="0" fill="hold" grpId="0" nodeType="withEffect">
-                                  <p:stCondLst>
-                                    <p:cond delay="0"/>
-                                  </p:stCondLst>
-                                  <p:childTnLst>
-                                    <p:set>
-                                      <p:cBhvr>
-                                        <p:cTn id="14" dur="1" fill="hold">
-                                          <p:stCondLst>
-                                            <p:cond delay="0"/>
-                                          </p:stCondLst>
-                                        </p:cTn>
-                                        <p:tgtEl>
-                                          <p:spTgt spid="3">
-                                            <p:txEl>
-                                              <p:pRg st="4" end="4"/>
-                                            </p:txEl>
-                                          </p:spTgt>
-                                        </p:tgtEl>
-                                        <p:attrNameLst>
-                                          <p:attrName>style.visibility</p:attrName>
-                                        </p:attrNameLst>
-                                      </p:cBhvr>
-                                      <p:to>
-                                        <p:strVal val="visible"/>
-                                      </p:to>
-                                    </p:set>
-                                  </p:childTnLst>
-                                </p:cTn>
-                              </p:par>
-                              <p:par>
-                                <p:cTn id="15" presetID="1" presetClass="entr" presetSubtype="0" fill="hold" grpId="0" nodeType="withEffect">
-                                  <p:stCondLst>
-                                    <p:cond delay="0"/>
-                                  </p:stCondLst>
-                                  <p:childTnLst>
-                                    <p:set>
-                                      <p:cBhvr>
-                                        <p:cTn id="16" dur="1" fill="hold">
-                                          <p:stCondLst>
-                                            <p:cond delay="0"/>
-                                          </p:stCondLst>
-                                        </p:cTn>
-                                        <p:tgtEl>
-                                          <p:spTgt spid="3">
-                                            <p:txEl>
-                                              <p:pRg st="5" end="5"/>
-                                            </p:txEl>
-                                          </p:spTgt>
-                                        </p:tgtEl>
-                                        <p:attrNameLst>
-                                          <p:attrName>style.visibility</p:attrName>
-                                        </p:attrNameLst>
-                                      </p:cBhvr>
-                                      <p:to>
-                                        <p:strVal val="visible"/>
-                                      </p:to>
-                                    </p:set>
-                                  </p:childTnLst>
-                                </p:cTn>
-                              </p:par>
-                            </p:childTnLst>
-                          </p:cTn>
-                        </p:par>
-                      </p:childTnLst>
-                    </p:cTn>
-                  </p:par>
-                  <p:par>
-                    <p:cTn id="17" fill="hold">
-                      <p:stCondLst>
-                        <p:cond delay="indefinite"/>
-                      </p:stCondLst>
-                      <p:childTnLst>
-                        <p:par>
-                          <p:cTn id="18" fill="hold">
-                            <p:stCondLst>
-                              <p:cond delay="0"/>
-                            </p:stCondLst>
-                            <p:childTnLst>
-                              <p:par>
-                                <p:cTn id="19" presetID="1" presetClass="entr" presetSubtype="0" fill="hold" grpId="0" nodeType="clickEffect">
-                                  <p:stCondLst>
-                                    <p:cond delay="0"/>
-                                  </p:stCondLst>
-                                  <p:childTnLst>
-                                    <p:set>
-                                      <p:cBhvr>
-                                        <p:cTn id="20" dur="1" fill="hold">
-                                          <p:stCondLst>
-                                            <p:cond delay="0"/>
-                                          </p:stCondLst>
-                                        </p:cTn>
-                                        <p:tgtEl>
-                                          <p:spTgt spid="3">
-                                            <p:txEl>
-                                              <p:pRg st="7" end="7"/>
-                                            </p:txEl>
-                                          </p:spTgt>
-                                        </p:tgtEl>
-                                        <p:attrNameLst>
-                                          <p:attrName>style.visibility</p:attrName>
-                                        </p:attrNameLst>
-                                      </p:cBhvr>
-                                      <p:to>
-                                        <p:strVal val="visible"/>
-                                      </p:to>
-                                    </p:set>
-                                  </p:childTnLst>
-                                </p:cTn>
-                              </p:par>
-                              <p:par>
-                                <p:cTn id="21" presetID="1" presetClass="entr" presetSubtype="0" fill="hold" grpId="0" nodeType="withEffect">
-                                  <p:stCondLst>
-                                    <p:cond delay="0"/>
-                                  </p:stCondLst>
-                                  <p:childTnLst>
-                                    <p:set>
-                                      <p:cBhvr>
-                                        <p:cTn id="22" dur="1" fill="hold">
-                                          <p:stCondLst>
-                                            <p:cond delay="0"/>
-                                          </p:stCondLst>
-                                        </p:cTn>
-                                        <p:tgtEl>
-                                          <p:spTgt spid="3">
-                                            <p:txEl>
-                                              <p:pRg st="8" end="8"/>
-                                            </p:txEl>
-                                          </p:spTgt>
-                                        </p:tgtEl>
-                                        <p:attrNameLst>
-                                          <p:attrName>style.visibility</p:attrName>
-                                        </p:attrNameLst>
-                                      </p:cBhvr>
-                                      <p:to>
-                                        <p:strVal val="visible"/>
-                                      </p:to>
-                                    </p:set>
-                                  </p:childTnLst>
-                                </p:cTn>
-                              </p:par>
-                              <p:par>
-                                <p:cTn id="23" presetID="1" presetClass="entr" presetSubtype="0" fill="hold" grpId="0" nodeType="withEffect">
-                                  <p:stCondLst>
-                                    <p:cond delay="0"/>
-                                  </p:stCondLst>
-                                  <p:childTnLst>
-                                    <p:set>
-                                      <p:cBhvr>
-                                        <p:cTn id="24" dur="1" fill="hold">
-                                          <p:stCondLst>
-                                            <p:cond delay="0"/>
-                                          </p:stCondLst>
-                                        </p:cTn>
-                                        <p:tgtEl>
-                                          <p:spTgt spid="3">
-                                            <p:txEl>
-                                              <p:pRg st="9" end="9"/>
-                                            </p:txEl>
-                                          </p:spTgt>
-                                        </p:tgtEl>
-                                        <p:attrNameLst>
-                                          <p:attrName>style.visibility</p:attrName>
-                                        </p:attrNameLst>
-                                      </p:cBhvr>
-                                      <p:to>
-                                        <p:strVal val="visible"/>
-                                      </p:to>
-                                    </p:set>
-                                  </p:childTnLst>
-                                </p:cTn>
-                              </p:par>
-                              <p:par>
-                                <p:cTn id="25" presetID="1" presetClass="entr" presetSubtype="0" fill="hold" grpId="0" nodeType="withEffect">
-                                  <p:stCondLst>
-                                    <p:cond delay="0"/>
-                                  </p:stCondLst>
-                                  <p:childTnLst>
-                                    <p:set>
-                                      <p:cBhvr>
-                                        <p:cTn id="26" dur="1" fill="hold">
-                                          <p:stCondLst>
-                                            <p:cond delay="0"/>
-                                          </p:stCondLst>
-                                        </p:cTn>
-                                        <p:tgtEl>
-                                          <p:spTgt spid="3">
-                                            <p:txEl>
-                                              <p:pRg st="10" end="10"/>
-                                            </p:txEl>
-                                          </p:spTgt>
-                                        </p:tgtEl>
-                                        <p:attrNameLst>
-                                          <p:attrName>style.visibility</p:attrName>
-                                        </p:attrNameLst>
-                                      </p:cBhvr>
-                                      <p:to>
-                                        <p:strVal val="visible"/>
-                                      </p:to>
-                                    </p:set>
-                                  </p:childTnLst>
-                                </p:cTn>
-                              </p:par>
-                            </p:childTnLst>
-                          </p:cTn>
-                        </p:par>
-                      </p:childTnLst>
-                    </p:cTn>
-                  </p:par>
-                </p:childTnLst>
-              </p:cTn>
-              <p:prevCondLst>
-                <p:cond evt="onPrev" delay="0">
-                  <p:tgtEl>
-                    <p:sldTgt/>
-                  </p:tgtEl>
-                </p:cond>
-              </p:prevCondLst>
-              <p:nextCondLst>
-                <p:cond evt="onNext" delay="0">
-                  <p:tgtEl>
-                    <p:sldTgt/>
-                  </p:tgtEl>
-                </p:cond>
-              </p:nextCondLst>
-            </p:seq>
-          </p:childTnLst>
-        </p:cTn>
-      </p:par>
-    </p:tnLst>
-    <p:bldLst>
-      <p:bldP spid="3" grpId="0" build="p"/>
-    </p:bldLst>
-  </p:timing>
 </p:sld>
 </file>
 
@@ -6323,19 +5965,7 @@
               <a:rPr lang="en-US" sz="2000" dirty="0">
                 <a:hlinkClick r:id="rId2"/>
               </a:rPr>
-              <a:t>https://wonsunahn.github.io/</a:t>
-            </a:r>
-            <a:r>
-              <a:rPr lang="en-US" sz="2000" dirty="0">
-                <a:hlinkClick r:id="rId2"/>
-              </a:rPr>
-              <a:t>Capstone</a:t>
-            </a:r>
-            <a:r>
-              <a:rPr lang="en-US" sz="2000" dirty="0">
-                <a:hlinkClick r:id="rId2"/>
-              </a:rPr>
-              <a:t>_Spring2022/final_paper</a:t>
+              <a:t>https://wonsunahn.github.io/Capstone_Spring2022/final_paper</a:t>
             </a:r>
             <a:endParaRPr lang="en-US" sz="2000" dirty="0"/>
           </a:p>
@@ -6505,7 +6135,7 @@
                 <a:latin typeface="Trebuchet MS"/>
                 <a:ea typeface="Osaka"/>
               </a:rPr>
-              <a:t>Your talk is consumed by your peers</a:t>
+              <a:t>Why give a talk in front of my peers?</a:t>
             </a:r>
             <a:endParaRPr lang="en-US" sz="2800" dirty="0"/>
           </a:p>
@@ -7036,28 +6666,36 @@
           <a:p>
             <a:r>
               <a:rPr lang="en-US" altLang="en-US" dirty="0"/>
-              <a:t>We’ll have one presentation sessions per day</a:t>
+              <a:t>We’ll </a:t>
+            </a:r>
+            <a:r>
+              <a:rPr lang="en-US" altLang="en-US"/>
+              <a:t>have 1~2 </a:t>
+            </a:r>
+            <a:r>
+              <a:rPr lang="en-US" altLang="en-US" dirty="0"/>
+              <a:t>presentation sessions per day</a:t>
             </a:r>
           </a:p>
           <a:p>
             <a:pPr lvl="1"/>
             <a:r>
               <a:rPr lang="en-US" altLang="en-US" dirty="0"/>
-              <a:t>20-minute talk</a:t>
+              <a:t>15-minute talk</a:t>
             </a:r>
           </a:p>
           <a:p>
             <a:pPr lvl="1"/>
             <a:r>
               <a:rPr lang="en-US" altLang="en-US" dirty="0"/>
-              <a:t>15-minutes Q &amp; A</a:t>
+              <a:t>5-minutes Q &amp; A</a:t>
             </a:r>
           </a:p>
           <a:p>
             <a:pPr lvl="1"/>
             <a:r>
               <a:rPr lang="en-US" altLang="en-US" dirty="0"/>
-              <a:t>15-minutes peer review</a:t>
+              <a:t>5-minutes peer review</a:t>
             </a:r>
           </a:p>
           <a:p>
@@ -7104,310 +6742,6 @@
   <p:clrMapOvr>
     <a:masterClrMapping/>
   </p:clrMapOvr>
-  <p:timing>
-    <p:tnLst>
-      <p:par>
-        <p:cTn id="1" dur="indefinite" restart="never" nodeType="tmRoot">
-          <p:childTnLst>
-            <p:seq concurrent="1" nextAc="seek">
-              <p:cTn id="2" dur="indefinite" nodeType="mainSeq">
-                <p:childTnLst>
-                  <p:par>
-                    <p:cTn id="3" fill="hold">
-                      <p:stCondLst>
-                        <p:cond delay="indefinite"/>
-                      </p:stCondLst>
-                      <p:childTnLst>
-                        <p:par>
-                          <p:cTn id="4" fill="hold">
-                            <p:stCondLst>
-                              <p:cond delay="0"/>
-                            </p:stCondLst>
-                            <p:childTnLst>
-                              <p:par>
-                                <p:cTn id="5" presetID="1" presetClass="entr" presetSubtype="0" fill="hold" grpId="0" nodeType="clickEffect">
-                                  <p:stCondLst>
-                                    <p:cond delay="0"/>
-                                  </p:stCondLst>
-                                  <p:childTnLst>
-                                    <p:set>
-                                      <p:cBhvr>
-                                        <p:cTn id="6" dur="1" fill="hold">
-                                          <p:stCondLst>
-                                            <p:cond delay="0"/>
-                                          </p:stCondLst>
-                                        </p:cTn>
-                                        <p:tgtEl>
-                                          <p:spTgt spid="3">
-                                            <p:txEl>
-                                              <p:pRg st="0" end="0"/>
-                                            </p:txEl>
-                                          </p:spTgt>
-                                        </p:tgtEl>
-                                        <p:attrNameLst>
-                                          <p:attrName>style.visibility</p:attrName>
-                                        </p:attrNameLst>
-                                      </p:cBhvr>
-                                      <p:to>
-                                        <p:strVal val="visible"/>
-                                      </p:to>
-                                    </p:set>
-                                  </p:childTnLst>
-                                </p:cTn>
-                              </p:par>
-                              <p:par>
-                                <p:cTn id="7" presetID="1" presetClass="entr" presetSubtype="0" fill="hold" grpId="0" nodeType="withEffect">
-                                  <p:stCondLst>
-                                    <p:cond delay="0"/>
-                                  </p:stCondLst>
-                                  <p:childTnLst>
-                                    <p:set>
-                                      <p:cBhvr>
-                                        <p:cTn id="8" dur="1" fill="hold">
-                                          <p:stCondLst>
-                                            <p:cond delay="0"/>
-                                          </p:stCondLst>
-                                        </p:cTn>
-                                        <p:tgtEl>
-                                          <p:spTgt spid="3">
-                                            <p:txEl>
-                                              <p:pRg st="1" end="1"/>
-                                            </p:txEl>
-                                          </p:spTgt>
-                                        </p:tgtEl>
-                                        <p:attrNameLst>
-                                          <p:attrName>style.visibility</p:attrName>
-                                        </p:attrNameLst>
-                                      </p:cBhvr>
-                                      <p:to>
-                                        <p:strVal val="visible"/>
-                                      </p:to>
-                                    </p:set>
-                                  </p:childTnLst>
-                                </p:cTn>
-                              </p:par>
-                              <p:par>
-                                <p:cTn id="9" presetID="1" presetClass="entr" presetSubtype="0" fill="hold" grpId="0" nodeType="withEffect">
-                                  <p:stCondLst>
-                                    <p:cond delay="0"/>
-                                  </p:stCondLst>
-                                  <p:childTnLst>
-                                    <p:set>
-                                      <p:cBhvr>
-                                        <p:cTn id="10" dur="1" fill="hold">
-                                          <p:stCondLst>
-                                            <p:cond delay="0"/>
-                                          </p:stCondLst>
-                                        </p:cTn>
-                                        <p:tgtEl>
-                                          <p:spTgt spid="3">
-                                            <p:txEl>
-                                              <p:pRg st="2" end="2"/>
-                                            </p:txEl>
-                                          </p:spTgt>
-                                        </p:tgtEl>
-                                        <p:attrNameLst>
-                                          <p:attrName>style.visibility</p:attrName>
-                                        </p:attrNameLst>
-                                      </p:cBhvr>
-                                      <p:to>
-                                        <p:strVal val="visible"/>
-                                      </p:to>
-                                    </p:set>
-                                  </p:childTnLst>
-                                </p:cTn>
-                              </p:par>
-                              <p:par>
-                                <p:cTn id="11" presetID="1" presetClass="entr" presetSubtype="0" fill="hold" grpId="0" nodeType="withEffect">
-                                  <p:stCondLst>
-                                    <p:cond delay="0"/>
-                                  </p:stCondLst>
-                                  <p:childTnLst>
-                                    <p:set>
-                                      <p:cBhvr>
-                                        <p:cTn id="12" dur="1" fill="hold">
-                                          <p:stCondLst>
-                                            <p:cond delay="0"/>
-                                          </p:stCondLst>
-                                        </p:cTn>
-                                        <p:tgtEl>
-                                          <p:spTgt spid="3">
-                                            <p:txEl>
-                                              <p:pRg st="3" end="3"/>
-                                            </p:txEl>
-                                          </p:spTgt>
-                                        </p:tgtEl>
-                                        <p:attrNameLst>
-                                          <p:attrName>style.visibility</p:attrName>
-                                        </p:attrNameLst>
-                                      </p:cBhvr>
-                                      <p:to>
-                                        <p:strVal val="visible"/>
-                                      </p:to>
-                                    </p:set>
-                                  </p:childTnLst>
-                                </p:cTn>
-                              </p:par>
-                            </p:childTnLst>
-                          </p:cTn>
-                        </p:par>
-                      </p:childTnLst>
-                    </p:cTn>
-                  </p:par>
-                  <p:par>
-                    <p:cTn id="13" fill="hold">
-                      <p:stCondLst>
-                        <p:cond delay="indefinite"/>
-                      </p:stCondLst>
-                      <p:childTnLst>
-                        <p:par>
-                          <p:cTn id="14" fill="hold">
-                            <p:stCondLst>
-                              <p:cond delay="0"/>
-                            </p:stCondLst>
-                            <p:childTnLst>
-                              <p:par>
-                                <p:cTn id="15" presetID="1" presetClass="entr" presetSubtype="0" fill="hold" grpId="0" nodeType="clickEffect">
-                                  <p:stCondLst>
-                                    <p:cond delay="0"/>
-                                  </p:stCondLst>
-                                  <p:childTnLst>
-                                    <p:set>
-                                      <p:cBhvr>
-                                        <p:cTn id="16" dur="1" fill="hold">
-                                          <p:stCondLst>
-                                            <p:cond delay="0"/>
-                                          </p:stCondLst>
-                                        </p:cTn>
-                                        <p:tgtEl>
-                                          <p:spTgt spid="3">
-                                            <p:txEl>
-                                              <p:pRg st="5" end="5"/>
-                                            </p:txEl>
-                                          </p:spTgt>
-                                        </p:tgtEl>
-                                        <p:attrNameLst>
-                                          <p:attrName>style.visibility</p:attrName>
-                                        </p:attrNameLst>
-                                      </p:cBhvr>
-                                      <p:to>
-                                        <p:strVal val="visible"/>
-                                      </p:to>
-                                    </p:set>
-                                  </p:childTnLst>
-                                </p:cTn>
-                              </p:par>
-                            </p:childTnLst>
-                          </p:cTn>
-                        </p:par>
-                      </p:childTnLst>
-                    </p:cTn>
-                  </p:par>
-                  <p:par>
-                    <p:cTn id="17" fill="hold">
-                      <p:stCondLst>
-                        <p:cond delay="indefinite"/>
-                      </p:stCondLst>
-                      <p:childTnLst>
-                        <p:par>
-                          <p:cTn id="18" fill="hold">
-                            <p:stCondLst>
-                              <p:cond delay="0"/>
-                            </p:stCondLst>
-                            <p:childTnLst>
-                              <p:par>
-                                <p:cTn id="19" presetID="1" presetClass="entr" presetSubtype="0" fill="hold" grpId="0" nodeType="clickEffect">
-                                  <p:stCondLst>
-                                    <p:cond delay="0"/>
-                                  </p:stCondLst>
-                                  <p:childTnLst>
-                                    <p:set>
-                                      <p:cBhvr>
-                                        <p:cTn id="20" dur="1" fill="hold">
-                                          <p:stCondLst>
-                                            <p:cond delay="0"/>
-                                          </p:stCondLst>
-                                        </p:cTn>
-                                        <p:tgtEl>
-                                          <p:spTgt spid="3">
-                                            <p:txEl>
-                                              <p:pRg st="7" end="7"/>
-                                            </p:txEl>
-                                          </p:spTgt>
-                                        </p:tgtEl>
-                                        <p:attrNameLst>
-                                          <p:attrName>style.visibility</p:attrName>
-                                        </p:attrNameLst>
-                                      </p:cBhvr>
-                                      <p:to>
-                                        <p:strVal val="visible"/>
-                                      </p:to>
-                                    </p:set>
-                                  </p:childTnLst>
-                                </p:cTn>
-                              </p:par>
-                              <p:par>
-                                <p:cTn id="21" presetID="1" presetClass="entr" presetSubtype="0" fill="hold" grpId="0" nodeType="withEffect">
-                                  <p:stCondLst>
-                                    <p:cond delay="0"/>
-                                  </p:stCondLst>
-                                  <p:childTnLst>
-                                    <p:set>
-                                      <p:cBhvr>
-                                        <p:cTn id="22" dur="1" fill="hold">
-                                          <p:stCondLst>
-                                            <p:cond delay="0"/>
-                                          </p:stCondLst>
-                                        </p:cTn>
-                                        <p:tgtEl>
-                                          <p:spTgt spid="3">
-                                            <p:txEl>
-                                              <p:pRg st="8" end="8"/>
-                                            </p:txEl>
-                                          </p:spTgt>
-                                        </p:tgtEl>
-                                        <p:attrNameLst>
-                                          <p:attrName>style.visibility</p:attrName>
-                                        </p:attrNameLst>
-                                      </p:cBhvr>
-                                      <p:to>
-                                        <p:strVal val="visible"/>
-                                      </p:to>
-                                    </p:set>
-                                  </p:childTnLst>
-                                </p:cTn>
-                              </p:par>
-                            </p:childTnLst>
-                          </p:cTn>
-                        </p:par>
-                      </p:childTnLst>
-                    </p:cTn>
-                  </p:par>
-                </p:childTnLst>
-              </p:cTn>
-              <p:prevCondLst>
-                <p:cond evt="onPrev" delay="0">
-                  <p:tgtEl>
-                    <p:sldTgt/>
-                  </p:tgtEl>
-                </p:cond>
-              </p:prevCondLst>
-              <p:nextCondLst>
-                <p:cond evt="onNext" delay="0">
-                  <p:tgtEl>
-                    <p:sldTgt/>
-                  </p:tgtEl>
-                </p:cond>
-              </p:nextCondLst>
-            </p:seq>
-          </p:childTnLst>
-        </p:cTn>
-      </p:par>
-    </p:tnLst>
-    <p:bldLst>
-      <p:bldP spid="3" grpId="0" build="p"/>
-    </p:bldLst>
-  </p:timing>
 </p:sld>
 </file>
 
